--- a/Scheme Interpreter.pptx
+++ b/Scheme Interpreter.pptx
@@ -2473,7 +2473,7 @@
                 <a:spcPct val="100000"/>
               </a:lnSpc>
             </a:pPr>
-            <a:fld id="{E8DB5BFF-88D2-4F6E-ABC7-3F9E92910061}" type="slidenum">
+            <a:fld id="{6B13FD8B-24B3-4C34-AAA9-6A85AB926ECA}" type="slidenum">
               <a:rPr lang="en-US" sz="1200">
                 <a:solidFill>
                   <a:srgbClr val="8b8b8b"/>
@@ -2990,7 +2990,7 @@
                 <a:spcPct val="100000"/>
               </a:lnSpc>
             </a:pPr>
-            <a:fld id="{7790E927-29D1-4713-8F3D-84BF4285E1D6}" type="slidenum">
+            <a:fld id="{0347DD4F-9806-40FB-8148-24916DF8D7D6}" type="slidenum">
               <a:rPr lang="en-US" sz="1200">
                 <a:solidFill>
                   <a:srgbClr val="8b8b8b"/>
